--- a/jQuery/Slide/Chapter 8_How to work with forms and data validation.pptx
+++ b/jQuery/Slide/Chapter 8_How to work with forms and data validation.pptx
@@ -192,6 +192,55 @@
 </p:presentation>
 </file>
 
+<file path=ppt/commentAuthors.xml><?xml version="1.0" encoding="utf-8"?>
+<p:cmAuthorLst xmlns:a="http://schemas.openxmlformats.org/drawingml/2006/main" xmlns:r="http://schemas.openxmlformats.org/officeDocument/2006/relationships" xmlns:p="http://schemas.openxmlformats.org/presentationml/2006/main">
+  <p:cmAuthor id="1" name="Pdviet5073" initials="P" lastIdx="3" clrIdx="0">
+    <p:extLst>
+      <p:ext uri="{19B8F6BF-5375-455C-9EA6-DF929625EA0E}">
+        <p15:presenceInfo xmlns:p15="http://schemas.microsoft.com/office/powerpoint/2012/main" userId="Pdviet5073" providerId="None"/>
+      </p:ext>
+    </p:extLst>
+  </p:cmAuthor>
+</p:cmAuthorLst>
+</file>
+
+<file path=ppt/comments/comment1.xml><?xml version="1.0" encoding="utf-8"?>
+<p:cmLst xmlns:a="http://schemas.openxmlformats.org/drawingml/2006/main" xmlns:r="http://schemas.openxmlformats.org/officeDocument/2006/relationships" xmlns:p="http://schemas.openxmlformats.org/presentationml/2006/main">
+  <p:cm authorId="1" dt="2020-07-13T20:37:17.539" idx="1">
+    <p:pos x="5940" y="3456"/>
+    <p:text/>
+    <p:extLst>
+      <p:ext uri="{C676402C-5697-4E1C-873F-D02D1690AC5C}">
+        <p15:threadingInfo xmlns:p15="http://schemas.microsoft.com/office/powerpoint/2012/main" timeZoneBias="-420"/>
+      </p:ext>
+    </p:extLst>
+  </p:cm>
+</p:cmLst>
+</file>
+
+<file path=ppt/comments/comment2.xml><?xml version="1.0" encoding="utf-8"?>
+<p:cmLst xmlns:a="http://schemas.openxmlformats.org/drawingml/2006/main" xmlns:r="http://schemas.openxmlformats.org/officeDocument/2006/relationships" xmlns:p="http://schemas.openxmlformats.org/presentationml/2006/main">
+  <p:cm authorId="1" dt="2020-07-15T21:03:10.773" idx="2">
+    <p:pos x="10" y="10"/>
+    <p:text>dùng jquery.validator.format để tự động get</p:text>
+    <p:extLst>
+      <p:ext uri="{C676402C-5697-4E1C-873F-D02D1690AC5C}">
+        <p15:threadingInfo xmlns:p15="http://schemas.microsoft.com/office/powerpoint/2012/main" timeZoneBias="-420"/>
+      </p:ext>
+    </p:extLst>
+  </p:cm>
+  <p:cm authorId="1" dt="2020-07-17T18:11:22.292" idx="3">
+    <p:pos x="106" y="106"/>
+    <p:text>để submit dùng submitHandler: fn(){}</p:text>
+    <p:extLst>
+      <p:ext uri="{C676402C-5697-4E1C-873F-D02D1690AC5C}">
+        <p15:threadingInfo xmlns:p15="http://schemas.microsoft.com/office/powerpoint/2012/main" timeZoneBias="-420"/>
+      </p:ext>
+    </p:extLst>
+  </p:cm>
+</p:cmLst>
+</file>
+
 <file path=ppt/notesMasters/notesMaster1.xml><?xml version="1.0" encoding="utf-8"?>
 <p:notesMaster xmlns:a="http://schemas.openxmlformats.org/drawingml/2006/main" xmlns:r="http://schemas.openxmlformats.org/officeDocument/2006/relationships" xmlns:p="http://schemas.openxmlformats.org/presentationml/2006/main">
   <p:cSld>
@@ -275,7 +324,7 @@
             <a:fld id="{524DC8F9-1DCD-4754-A44C-6EBB62BDA97B}" type="datetimeFigureOut">
               <a:rPr lang="en-US" smtClean="0"/>
               <a:pPr/>
-              <a:t>9/25/2019</a:t>
+              <a:t>7/17/2020</a:t>
             </a:fld>
             <a:endParaRPr lang="en-US"/>
           </a:p>
@@ -5778,7 +5827,7 @@
                     <a:lstStyle/>
                     <a:p>
                       <a:r>
-                        <a:rPr lang="en-US" smtClean="0">
+                        <a:rPr lang="en-US" dirty="0" smtClean="0">
                           <a:solidFill>
                             <a:schemeClr val="tx1"/>
                           </a:solidFill>
@@ -5786,14 +5835,14 @@
                         <a:t>Set this attribute “off” to tell browser</a:t>
                       </a:r>
                       <a:r>
-                        <a:rPr lang="en-US" baseline="0" smtClean="0">
+                        <a:rPr lang="en-US" baseline="0" dirty="0" smtClean="0">
                           <a:solidFill>
                             <a:schemeClr val="tx1"/>
                           </a:solidFill>
                         </a:rPr>
                         <a:t> to disable auto-complete.</a:t>
                       </a:r>
-                      <a:endParaRPr lang="en-US">
+                      <a:endParaRPr lang="en-US" dirty="0">
                         <a:solidFill>
                           <a:schemeClr val="tx1"/>
                         </a:solidFill>
